--- a/Tobacco_Usage_USA.pptx
+++ b/Tobacco_Usage_USA.pptx
@@ -5,7 +5,7 @@
     <p:sldMasterId id="2147483648" r:id="rId1"/>
   </p:sldMasterIdLst>
   <p:notesMasterIdLst>
-    <p:notesMasterId r:id="rId32"/>
+    <p:notesMasterId r:id="rId33"/>
   </p:notesMasterIdLst>
   <p:sldIdLst>
     <p:sldId id="257" r:id="rId2"/>
@@ -37,7 +37,8 @@
     <p:sldId id="269" r:id="rId28"/>
     <p:sldId id="288" r:id="rId29"/>
     <p:sldId id="282" r:id="rId30"/>
-    <p:sldId id="283" r:id="rId31"/>
+    <p:sldId id="293" r:id="rId31"/>
+    <p:sldId id="283" r:id="rId32"/>
   </p:sldIdLst>
   <p:sldSz cx="12192000" cy="6858000"/>
   <p:notesSz cx="6858000" cy="9144000"/>
@@ -913,7 +914,7 @@
             <a:fld id="{5923F103-BC34-4FE4-A40E-EDDEECFDA5D0}" type="datetimeFigureOut">
               <a:rPr lang="en-US" dirty="0"/>
               <a:pPr/>
-              <a:t>9/30/2019</a:t>
+              <a:t>10/2/2019</a:t>
             </a:fld>
             <a:endParaRPr lang="en-US" dirty="0"/>
           </a:p>
@@ -1997,7 +1998,7 @@
           <a:p>
             <a:fld id="{923A1CC3-2375-41D4-9E03-427CAF2A4C1A}" type="datetimeFigureOut">
               <a:rPr lang="en-US" dirty="0"/>
-              <a:t>9/30/2019</a:t>
+              <a:t>10/2/2019</a:t>
             </a:fld>
             <a:endParaRPr lang="en-US" dirty="0"/>
           </a:p>
@@ -2973,7 +2974,7 @@
           <a:p>
             <a:fld id="{AFF16868-8199-4C2C-A5B1-63AEE139F88E}" type="datetimeFigureOut">
               <a:rPr lang="en-US" dirty="0"/>
-              <a:t>9/30/2019</a:t>
+              <a:t>10/2/2019</a:t>
             </a:fld>
             <a:endParaRPr lang="en-US" dirty="0"/>
           </a:p>
@@ -4103,7 +4104,7 @@
           <a:p>
             <a:fld id="{AAD9FF7F-6988-44CC-821B-644E70CD2F73}" type="datetimeFigureOut">
               <a:rPr lang="en-US" dirty="0"/>
-              <a:t>9/30/2019</a:t>
+              <a:t>10/2/2019</a:t>
             </a:fld>
             <a:endParaRPr lang="en-US" dirty="0"/>
           </a:p>
@@ -5132,7 +5133,7 @@
           <a:p>
             <a:fld id="{5C12C299-16B2-4475-990D-751901EACC14}" type="datetimeFigureOut">
               <a:rPr lang="en-US" dirty="0"/>
-              <a:t>9/30/2019</a:t>
+              <a:t>10/2/2019</a:t>
             </a:fld>
             <a:endParaRPr lang="en-US" dirty="0"/>
           </a:p>
@@ -5788,7 +5789,7 @@
           <a:p>
             <a:fld id="{9FE86839-B9D8-4651-8783-F325ECE74E65}" type="datetimeFigureOut">
               <a:rPr lang="en-US" dirty="0"/>
-              <a:t>9/30/2019</a:t>
+              <a:t>10/2/2019</a:t>
             </a:fld>
             <a:endParaRPr lang="en-US" dirty="0"/>
           </a:p>
@@ -6645,7 +6646,7 @@
           <a:p>
             <a:fld id="{FD484F64-32F6-45C5-931F-ADC1662401D0}" type="datetimeFigureOut">
               <a:rPr lang="en-US" dirty="0"/>
-              <a:t>9/30/2019</a:t>
+              <a:t>10/2/2019</a:t>
             </a:fld>
             <a:endParaRPr lang="en-US" dirty="0"/>
           </a:p>
@@ -6831,7 +6832,7 @@
           <a:p>
             <a:fld id="{53086D93-FCAC-47E0-A2EE-787E62CA814C}" type="datetimeFigureOut">
               <a:rPr lang="en-US" dirty="0"/>
-              <a:t>9/30/2019</a:t>
+              <a:t>10/2/2019</a:t>
             </a:fld>
             <a:endParaRPr lang="en-US" dirty="0"/>
           </a:p>
@@ -7799,7 +7800,7 @@
           <a:p>
             <a:fld id="{CDA879A6-0FD0-4734-A311-86BFCA472E6E}" type="datetimeFigureOut">
               <a:rPr lang="en-US" dirty="0"/>
-              <a:t>9/30/2019</a:t>
+              <a:t>10/2/2019</a:t>
             </a:fld>
             <a:endParaRPr lang="en-US" dirty="0"/>
           </a:p>
@@ -8006,7 +8007,7 @@
           <a:p>
             <a:fld id="{19C9CA7B-DFD4-44B5-8C60-D14B8CD1FB59}" type="datetimeFigureOut">
               <a:rPr lang="en-US" dirty="0"/>
-              <a:t>9/30/2019</a:t>
+              <a:t>10/2/2019</a:t>
             </a:fld>
             <a:endParaRPr lang="en-US" dirty="0"/>
           </a:p>
@@ -9036,7 +9037,7 @@
           <a:p>
             <a:fld id="{F34E6425-0181-43F2-84FC-787E803FD2F8}" type="datetimeFigureOut">
               <a:rPr lang="en-US" dirty="0"/>
-              <a:t>9/30/2019</a:t>
+              <a:t>10/2/2019</a:t>
             </a:fld>
             <a:endParaRPr lang="en-US" dirty="0"/>
           </a:p>
@@ -9304,7 +9305,7 @@
           <a:p>
             <a:fld id="{3BDB8791-F1B0-41E7-B7FD-A781E65C4266}" type="datetimeFigureOut">
               <a:rPr lang="en-US" dirty="0"/>
-              <a:t>9/30/2019</a:t>
+              <a:t>10/2/2019</a:t>
             </a:fld>
             <a:endParaRPr lang="en-US" dirty="0"/>
           </a:p>
@@ -9710,7 +9711,7 @@
           <a:p>
             <a:fld id="{5FDD63B2-E120-4ED8-B27B-C685F510A5FE}" type="datetimeFigureOut">
               <a:rPr lang="en-US" dirty="0"/>
-              <a:t>9/30/2019</a:t>
+              <a:t>10/2/2019</a:t>
             </a:fld>
             <a:endParaRPr lang="en-US" dirty="0"/>
           </a:p>
@@ -9833,7 +9834,7 @@
           <a:p>
             <a:fld id="{7AA18ACC-A947-437B-A130-35BD54FDF1E9}" type="datetimeFigureOut">
               <a:rPr lang="en-US" dirty="0"/>
-              <a:t>9/30/2019</a:t>
+              <a:t>10/2/2019</a:t>
             </a:fld>
             <a:endParaRPr lang="en-US" dirty="0"/>
           </a:p>
@@ -9924,7 +9925,7 @@
           <a:p>
             <a:fld id="{7C8D7E02-BCB8-4D50-A234-369438C08659}" type="datetimeFigureOut">
               <a:rPr lang="en-US" dirty="0"/>
-              <a:t>9/30/2019</a:t>
+              <a:t>10/2/2019</a:t>
             </a:fld>
             <a:endParaRPr lang="en-US" dirty="0"/>
           </a:p>
@@ -11001,7 +11002,7 @@
           <a:p>
             <a:fld id="{76E86A4C-8E40-4F87-A4F0-01A0687C5742}" type="datetimeFigureOut">
               <a:rPr lang="en-US" dirty="0"/>
-              <a:t>9/30/2019</a:t>
+              <a:t>10/2/2019</a:t>
             </a:fld>
             <a:endParaRPr lang="en-US" dirty="0"/>
           </a:p>
@@ -12105,7 +12106,7 @@
           <a:p>
             <a:fld id="{35E72C73-2D91-4E12-BA25-F0AA0C03599B}" type="datetimeFigureOut">
               <a:rPr lang="en-US" dirty="0"/>
-              <a:t>9/30/2019</a:t>
+              <a:t>10/2/2019</a:t>
             </a:fld>
             <a:endParaRPr lang="en-US" dirty="0"/>
           </a:p>
@@ -13098,7 +13099,7 @@
           <a:p>
             <a:fld id="{2BE451C3-0FF4-47C4-B829-773ADF60F88C}" type="datetimeFigureOut">
               <a:rPr lang="en-US" dirty="0"/>
-              <a:t>9/30/2019</a:t>
+              <a:t>10/2/2019</a:t>
             </a:fld>
             <a:endParaRPr lang="en-US" dirty="0"/>
           </a:p>
@@ -15911,14 +15912,17 @@
           <a:lstStyle/>
           <a:p>
             <a:r>
-              <a:rPr lang="en-US" b="1" dirty="0"/>
+              <a:rPr lang="en-US" sz="3600" b="1" dirty="0"/>
               <a:t>Project Conclusion –</a:t>
             </a:r>
             <a:br>
-              <a:rPr lang="en-US" dirty="0"/>
+              <a:rPr lang="en-US" sz="3600" b="1" dirty="0"/>
             </a:br>
-            <a:r>
-              <a:rPr lang="en-US" dirty="0"/>
+            <a:br>
+              <a:rPr lang="en-US" sz="3600" dirty="0"/>
+            </a:br>
+            <a:r>
+              <a:rPr lang="en-US" sz="3600" dirty="0"/>
               <a:t>Based on our research and data analysis, we have identified that Tobacco usage is higher in males with lower income and lower education.</a:t>
             </a:r>
           </a:p>
@@ -16176,6 +16180,69 @@
 </file>
 
 <file path=ppt/slides/slide30.xml><?xml version="1.0" encoding="utf-8"?>
+<p:sld xmlns:a="http://schemas.openxmlformats.org/drawingml/2006/main" xmlns:r="http://schemas.openxmlformats.org/officeDocument/2006/relationships" xmlns:p="http://schemas.openxmlformats.org/presentationml/2006/main">
+  <p:cSld>
+    <p:spTree>
+      <p:nvGrpSpPr>
+        <p:cNvPr id="1" name=""/>
+        <p:cNvGrpSpPr/>
+        <p:nvPr/>
+      </p:nvGrpSpPr>
+      <p:grpSpPr>
+        <a:xfrm>
+          <a:off x="0" y="0"/>
+          <a:ext cx="0" cy="0"/>
+          <a:chOff x="0" y="0"/>
+          <a:chExt cx="0" cy="0"/>
+        </a:xfrm>
+      </p:grpSpPr>
+      <p:sp>
+        <p:nvSpPr>
+          <p:cNvPr id="2" name="Title 1">
+            <a:extLst>
+              <a:ext uri="{FF2B5EF4-FFF2-40B4-BE49-F238E27FC236}">
+                <a16:creationId xmlns:a16="http://schemas.microsoft.com/office/drawing/2014/main" id="{F3F7FD06-32CB-4DEA-A69F-CF3A1D2D32BA}"/>
+              </a:ext>
+            </a:extLst>
+          </p:cNvPr>
+          <p:cNvSpPr>
+            <a:spLocks noGrp="1"/>
+          </p:cNvSpPr>
+          <p:nvPr>
+            <p:ph type="ctrTitle"/>
+          </p:nvPr>
+        </p:nvSpPr>
+        <p:spPr>
+          <a:xfrm>
+            <a:off x="3457889" y="2370666"/>
+            <a:ext cx="4957978" cy="1509248"/>
+          </a:xfrm>
+        </p:spPr>
+        <p:txBody>
+          <a:bodyPr/>
+          <a:lstStyle/>
+          <a:p>
+            <a:r>
+              <a:rPr lang="en-US" sz="7000" dirty="0"/>
+              <a:t>Thankyou</a:t>
+            </a:r>
+          </a:p>
+        </p:txBody>
+      </p:sp>
+    </p:spTree>
+    <p:extLst>
+      <p:ext uri="{BB962C8B-B14F-4D97-AF65-F5344CB8AC3E}">
+        <p14:creationId xmlns:p14="http://schemas.microsoft.com/office/powerpoint/2010/main" val="2854703444"/>
+      </p:ext>
+    </p:extLst>
+  </p:cSld>
+  <p:clrMapOvr>
+    <a:masterClrMapping/>
+  </p:clrMapOvr>
+</p:sld>
+</file>
+
+<file path=ppt/slides/slide31.xml><?xml version="1.0" encoding="utf-8"?>
 <p:sld xmlns:a="http://schemas.openxmlformats.org/drawingml/2006/main" xmlns:r="http://schemas.openxmlformats.org/officeDocument/2006/relationships" xmlns:p="http://schemas.openxmlformats.org/presentationml/2006/main">
   <p:cSld>
     <p:spTree>
